--- a/Week 5 Present Your Data-Driven Insights/Data Science Journey.pptx
+++ b/Week 5 Present Your Data-Driven Insights/Data Science Journey.pptx
@@ -31077,8 +31077,8 @@
         </p:nvSpPr>
         <p:spPr>
           <a:xfrm>
-            <a:off x="1176019" y="506095"/>
-            <a:ext cx="3244850" cy="659155"/>
+            <a:off x="1176018" y="506095"/>
+            <a:ext cx="3548381" cy="1305486"/>
           </a:xfrm>
           <a:prstGeom prst="rect">
             <a:avLst/>
@@ -31091,21 +31091,34 @@
           <a:lstStyle/>
           <a:p>
             <a:pPr marL="12700">
-              <a:lnSpc>
-                <a:spcPct val="100000"/>
-              </a:lnSpc>
               <a:spcBef>
                 <a:spcPts val="100"/>
               </a:spcBef>
             </a:pPr>
             <a:r>
-              <a:rPr spc="-670" dirty="0">
-                <a:solidFill>
-                  <a:schemeClr val="tx1"/>
-                </a:solidFill>
+              <a:rPr lang="en-US" dirty="0">
+                <a:solidFill>
+                  <a:srgbClr val="000000"/>
+                </a:solidFill>
+                <a:effectLst/>
+                <a:latin typeface=".SF NS"/>
               </a:rPr>
               <a:t>CONCLUSION</a:t>
             </a:r>
+            <a:br>
+              <a:rPr lang="en-US" dirty="0">
+                <a:solidFill>
+                  <a:srgbClr val="000000"/>
+                </a:solidFill>
+                <a:effectLst/>
+                <a:latin typeface=".SF NS"/>
+              </a:rPr>
+            </a:br>
+            <a:endParaRPr spc="-670" dirty="0">
+              <a:solidFill>
+                <a:schemeClr val="tx1"/>
+              </a:solidFill>
+            </a:endParaRPr>
           </a:p>
         </p:txBody>
       </p:sp>
@@ -31268,10 +31281,6 @@
               </a:rPr>
               <a:t>SpaceX</a:t>
             </a:r>
-            <a:endParaRPr sz="2000">
-              <a:latin typeface="Carlito"/>
-              <a:cs typeface="Carlito"/>
-            </a:endParaRPr>
           </a:p>
           <a:p>
             <a:pPr marL="195580" indent="-183515">
@@ -31387,10 +31396,6 @@
               </a:rPr>
               <a:t>USD</a:t>
             </a:r>
-            <a:endParaRPr sz="2000">
-              <a:latin typeface="Carlito"/>
-              <a:cs typeface="Carlito"/>
-            </a:endParaRPr>
           </a:p>
           <a:p>
             <a:pPr marL="195580" indent="-183515">
@@ -31478,7 +31483,7 @@
               </a:rPr>
               <a:t>page</a:t>
             </a:r>
-            <a:endParaRPr sz="2000">
+            <a:endParaRPr sz="2000" dirty="0">
               <a:latin typeface="Carlito"/>
               <a:cs typeface="Carlito"/>
             </a:endParaRPr>
@@ -31618,7 +31623,7 @@
               </a:rPr>
               <a:t>visualization</a:t>
             </a:r>
-            <a:endParaRPr sz="2000">
+            <a:endParaRPr sz="2000" dirty="0">
               <a:latin typeface="Carlito"/>
               <a:cs typeface="Carlito"/>
             </a:endParaRPr>
@@ -31695,10 +31700,6 @@
               </a:rPr>
               <a:t>83%</a:t>
             </a:r>
-            <a:endParaRPr sz="2000">
-              <a:latin typeface="Carlito"/>
-              <a:cs typeface="Carlito"/>
-            </a:endParaRPr>
           </a:p>
           <a:p>
             <a:pPr marL="195580" marR="276860" indent="-183515">
@@ -31905,7 +31906,7 @@
               </a:rPr>
               <a:t>not</a:t>
             </a:r>
-            <a:endParaRPr sz="2000">
+            <a:endParaRPr sz="2000" dirty="0">
               <a:latin typeface="Carlito"/>
               <a:cs typeface="Carlito"/>
             </a:endParaRPr>
@@ -32031,7 +32032,7 @@
               </a:rPr>
               <a:t>accuracy</a:t>
             </a:r>
-            <a:endParaRPr sz="2000">
+            <a:endParaRPr sz="2000" dirty="0">
               <a:latin typeface="Carlito"/>
               <a:cs typeface="Carlito"/>
             </a:endParaRPr>
